--- a/report/compiler_presentation.pptx
+++ b/report/compiler_presentation.pptx
@@ -6069,9 +6069,6 @@
               </a:rPr>
               <a:t>Function definition:</a:t>
             </a:r>
-            <a:endParaRPr lang="en-US" dirty="0" smtClean="0">
-              <a:latin typeface="Calibri"/>
-            </a:endParaRPr>
           </a:p>
         </p:txBody>
       </p:sp>
@@ -6550,9 +6547,6 @@
               </a:rPr>
               <a:t>oops:</a:t>
             </a:r>
-            <a:endParaRPr lang="en-US" dirty="0" smtClean="0">
-              <a:latin typeface="Calibri"/>
-            </a:endParaRPr>
           </a:p>
         </p:txBody>
       </p:sp>
@@ -6966,13 +6960,13 @@
   <p:clrMapOvr>
     <a:masterClrMapping/>
   </p:clrMapOvr>
-  <mc:AlternateContent xmlns:mc="http://schemas.openxmlformats.org/markup-compatibility/2006">
-    <mc:Choice xmlns:p14="http://schemas.microsoft.com/office/powerpoint/2010/main" Requires="p14">
+  <mc:AlternateContent xmlns:mc="http://schemas.openxmlformats.org/markup-compatibility/2006" xmlns:p14="http://schemas.microsoft.com/office/powerpoint/2010/main">
+    <mc:Choice Requires="p14">
       <p:transition spd="med" p14:dur="700">
         <p:fade/>
       </p:transition>
     </mc:Choice>
-    <mc:Fallback>
+    <mc:Fallback xmlns="">
       <p:transition spd="med">
         <p:fade/>
       </p:transition>
@@ -7965,10 +7959,10 @@
                 <a:ea typeface="+mn-ea"/>
                 <a:cs typeface="+mn-cs"/>
               </a:rPr>
-              <a:t>Implemented in python,  with the </a:t>
-            </a:r>
-            <a:r>
-              <a:rPr lang="en-US" sz="2800" b="0" i="0" dirty="0" err="1" smtClean="0">
+              <a:t>Implemented in </a:t>
+            </a:r>
+            <a:r>
+              <a:rPr lang="en-US" sz="2800" b="0" i="0" dirty="0" smtClean="0">
                 <a:solidFill>
                   <a:schemeClr val="tx1"/>
                 </a:solidFill>
@@ -7976,7 +7970,7 @@
                 <a:ea typeface="+mn-ea"/>
                 <a:cs typeface="+mn-cs"/>
               </a:rPr>
-              <a:t>Lex</a:t>
+              <a:t>Python</a:t>
             </a:r>
             <a:r>
               <a:rPr lang="en-US" sz="2800" b="0" i="0" dirty="0" smtClean="0">
@@ -7987,7 +7981,7 @@
                 <a:ea typeface="+mn-ea"/>
                 <a:cs typeface="+mn-cs"/>
               </a:rPr>
-              <a:t> facility of PLY (</a:t>
+              <a:t>,  with the </a:t>
             </a:r>
             <a:r>
               <a:rPr lang="en-US" sz="2800" b="0" i="0" dirty="0" err="1" smtClean="0">
@@ -7998,7 +7992,7 @@
                 <a:ea typeface="+mn-ea"/>
                 <a:cs typeface="+mn-cs"/>
               </a:rPr>
-              <a:t>Phyton</a:t>
+              <a:t>Lex</a:t>
             </a:r>
             <a:r>
               <a:rPr lang="en-US" sz="2800" b="0" i="0" dirty="0" smtClean="0">
@@ -8009,7 +8003,18 @@
                 <a:ea typeface="+mn-ea"/>
                 <a:cs typeface="+mn-cs"/>
               </a:rPr>
-              <a:t> </a:t>
+              <a:t> facility of PLY (</a:t>
+            </a:r>
+            <a:r>
+              <a:rPr lang="en-US" sz="2800" b="0" i="0" dirty="0" smtClean="0">
+                <a:solidFill>
+                  <a:schemeClr val="tx1"/>
+                </a:solidFill>
+                <a:latin typeface="Calibri"/>
+                <a:ea typeface="+mn-ea"/>
+                <a:cs typeface="+mn-cs"/>
+              </a:rPr>
+              <a:t>Python </a:t>
             </a:r>
             <a:r>
               <a:rPr lang="en-US" sz="2800" b="0" i="0" dirty="0" err="1" smtClean="0">
@@ -8413,9 +8418,6 @@
               </a:rPr>
               <a:t>Token list scan: based on the END_STATEMENT tokens and their contents, generates special tokens INDENT and DEDENT</a:t>
             </a:r>
-            <a:endParaRPr lang="en-US" dirty="0" smtClean="0">
-              <a:latin typeface="Calibri"/>
-            </a:endParaRPr>
           </a:p>
         </p:txBody>
       </p:sp>
@@ -8555,10 +8557,10 @@
                 <a:ea typeface="+mn-ea"/>
                 <a:cs typeface="+mn-cs"/>
               </a:rPr>
-              <a:t>Implemented in python,  with the </a:t>
-            </a:r>
-            <a:r>
-              <a:rPr lang="en-US" sz="2800" b="0" i="0" dirty="0" err="1" smtClean="0">
+              <a:t>Implemented in </a:t>
+            </a:r>
+            <a:r>
+              <a:rPr lang="en-US" sz="2800" b="0" i="0" dirty="0" smtClean="0">
                 <a:solidFill>
                   <a:schemeClr val="tx1"/>
                 </a:solidFill>
@@ -8566,7 +8568,7 @@
                 <a:ea typeface="+mn-ea"/>
                 <a:cs typeface="+mn-cs"/>
               </a:rPr>
-              <a:t>Yacc</a:t>
+              <a:t>Python</a:t>
             </a:r>
             <a:r>
               <a:rPr lang="en-US" sz="2800" b="0" i="0" dirty="0" smtClean="0">
@@ -8577,7 +8579,7 @@
                 <a:ea typeface="+mn-ea"/>
                 <a:cs typeface="+mn-cs"/>
               </a:rPr>
-              <a:t> facility of PLY (</a:t>
+              <a:t>,  with the </a:t>
             </a:r>
             <a:r>
               <a:rPr lang="en-US" sz="2800" b="0" i="0" dirty="0" err="1" smtClean="0">
@@ -8588,7 +8590,7 @@
                 <a:ea typeface="+mn-ea"/>
                 <a:cs typeface="+mn-cs"/>
               </a:rPr>
-              <a:t>Phyton</a:t>
+              <a:t>Yacc</a:t>
             </a:r>
             <a:r>
               <a:rPr lang="en-US" sz="2800" b="0" i="0" dirty="0" smtClean="0">
@@ -8599,7 +8601,18 @@
                 <a:ea typeface="+mn-ea"/>
                 <a:cs typeface="+mn-cs"/>
               </a:rPr>
-              <a:t> </a:t>
+              <a:t> facility of PLY (</a:t>
+            </a:r>
+            <a:r>
+              <a:rPr lang="en-US" sz="2800" b="0" i="0" dirty="0" smtClean="0">
+                <a:solidFill>
+                  <a:schemeClr val="tx1"/>
+                </a:solidFill>
+                <a:latin typeface="Calibri"/>
+                <a:ea typeface="+mn-ea"/>
+                <a:cs typeface="+mn-cs"/>
+              </a:rPr>
+              <a:t>Python </a:t>
             </a:r>
             <a:r>
               <a:rPr lang="en-US" sz="2800" b="0" i="0" dirty="0" err="1" smtClean="0">
@@ -9259,9 +9272,6 @@
               </a:rPr>
               <a:t>Non-context-free statements</a:t>
             </a:r>
-            <a:endParaRPr lang="en-US" dirty="0" smtClean="0">
-              <a:latin typeface="Calibri"/>
-            </a:endParaRPr>
           </a:p>
         </p:txBody>
       </p:sp>
